--- a/Presentation.pptx
+++ b/Presentation.pptx
@@ -11,6 +11,7 @@
     <p:sldId id="259" r:id="rId5"/>
     <p:sldId id="260" r:id="rId6"/>
     <p:sldId id="261" r:id="rId7"/>
+    <p:sldId id="262" r:id="rId8"/>
   </p:sldIdLst>
   <p:sldSz cx="12192000" cy="6858000"/>
   <p:notesSz cx="6858000" cy="9144000"/>
@@ -120,7 +121,7 @@
 <file path=ppt/revisionInfo.xml><?xml version="1.0" encoding="utf-8"?>
 <p1510:revInfo xmlns:a="http://schemas.openxmlformats.org/drawingml/2006/main" xmlns:r="http://schemas.openxmlformats.org/officeDocument/2006/relationships" xmlns:p1510="http://schemas.microsoft.com/office/powerpoint/2015/10/main">
   <p1510:revLst>
-    <p1510:client id="{50965093-146B-4FD5-B952-8275B37DE011}" v="589" dt="2023-04-23T05:36:23.330"/>
+    <p1510:client id="{50965093-146B-4FD5-B952-8275B37DE011}" v="772" dt="2023-04-23T05:56:33.904"/>
   </p1510:revLst>
 </p1510:revInfo>
 </file>
@@ -5148,7 +5149,7 @@
         </p:spPr>
         <p:txBody>
           <a:bodyPr vert="horz" lIns="91440" tIns="45720" rIns="91440" bIns="45720" rtlCol="0" anchor="ctr">
-            <a:normAutofit/>
+            <a:normAutofit fontScale="92500" lnSpcReduction="20000"/>
           </a:bodyPr>
           <a:lstStyle/>
           <a:p>
@@ -5157,7 +5158,7 @@
             </a:pPr>
             <a:r>
               <a:rPr lang="en-US" sz="2000" dirty="0"/>
-              <a:t>The first model we used is logistic regression. The results we have gotten can be seen on the bottom. We only got three false positives and zero false negatives. We can also see the visualization of the model below. This model works very well on the data with a 99 percent accuracy on the testing data set with the model being trained on the training data set.</a:t>
+              <a:t>The first model we used is logistic regression. The results we have gotten can be seen on the bottom. We only got three false positives and zero false negatives. We can also see the visualization of the model below. This model works very well on the data with a 99 percent accuracy on the testing data set with the model being trained on the training data set. This means that for a new variable, the model will accurately classify it 99 percent of the time.</a:t>
             </a:r>
           </a:p>
         </p:txBody>
@@ -5638,6 +5639,100 @@
 </p:sld>
 </file>
 
+<file path=ppt/slides/slide7.xml><?xml version="1.0" encoding="utf-8"?>
+<p:sld xmlns:a="http://schemas.openxmlformats.org/drawingml/2006/main" xmlns:r="http://schemas.openxmlformats.org/officeDocument/2006/relationships" xmlns:p="http://schemas.openxmlformats.org/presentationml/2006/main">
+  <p:cSld>
+    <p:spTree>
+      <p:nvGrpSpPr>
+        <p:cNvPr id="1" name=""/>
+        <p:cNvGrpSpPr/>
+        <p:nvPr/>
+      </p:nvGrpSpPr>
+      <p:grpSpPr>
+        <a:xfrm>
+          <a:off x="0" y="0"/>
+          <a:ext cx="0" cy="0"/>
+          <a:chOff x="0" y="0"/>
+          <a:chExt cx="0" cy="0"/>
+        </a:xfrm>
+      </p:grpSpPr>
+      <p:sp>
+        <p:nvSpPr>
+          <p:cNvPr id="2" name="Title 1">
+            <a:extLst>
+              <a:ext uri="{FF2B5EF4-FFF2-40B4-BE49-F238E27FC236}">
+                <a16:creationId xmlns:a16="http://schemas.microsoft.com/office/drawing/2014/main" id="{040AE8BC-9182-D7F6-4DB4-ABC20CE69942}"/>
+              </a:ext>
+            </a:extLst>
+          </p:cNvPr>
+          <p:cNvSpPr>
+            <a:spLocks noGrp="1"/>
+          </p:cNvSpPr>
+          <p:nvPr>
+            <p:ph type="title"/>
+          </p:nvPr>
+        </p:nvSpPr>
+        <p:spPr/>
+        <p:txBody>
+          <a:bodyPr/>
+          <a:lstStyle/>
+          <a:p>
+            <a:r>
+              <a:rPr lang="en-US" dirty="0">
+                <a:cs typeface="Calibri Light"/>
+              </a:rPr>
+              <a:t>Results – Logistic Regression</a:t>
+            </a:r>
+            <a:endParaRPr lang="en-US" dirty="0"/>
+          </a:p>
+        </p:txBody>
+      </p:sp>
+      <p:sp>
+        <p:nvSpPr>
+          <p:cNvPr id="3" name="Content Placeholder 2">
+            <a:extLst>
+              <a:ext uri="{FF2B5EF4-FFF2-40B4-BE49-F238E27FC236}">
+                <a16:creationId xmlns:a16="http://schemas.microsoft.com/office/drawing/2014/main" id="{6F1AD66B-7015-C98F-7879-A00E335572D1}"/>
+              </a:ext>
+            </a:extLst>
+          </p:cNvPr>
+          <p:cNvSpPr>
+            <a:spLocks noGrp="1"/>
+          </p:cNvSpPr>
+          <p:nvPr>
+            <p:ph idx="1"/>
+          </p:nvPr>
+        </p:nvSpPr>
+        <p:spPr/>
+        <p:txBody>
+          <a:bodyPr vert="horz" lIns="91440" tIns="45720" rIns="91440" bIns="45720" rtlCol="0" anchor="t">
+            <a:normAutofit/>
+          </a:bodyPr>
+          <a:lstStyle/>
+          <a:p>
+            <a:r>
+              <a:rPr lang="en-US" dirty="0">
+                <a:cs typeface="Calibri"/>
+              </a:rPr>
+              <a:t>As stated in the slide before, the model is accurate 99 percent of the time. The pros of this model are its simplicity, interpretability, and robustness. However, the cons are that it does not handle outliers well and does not work as well with multicollinearity. Unfortunately, in the data set we chose there are not outliers and there is not much multicollinearity.</a:t>
+            </a:r>
+            <a:endParaRPr lang="en-US" dirty="0"/>
+          </a:p>
+        </p:txBody>
+      </p:sp>
+    </p:spTree>
+    <p:extLst>
+      <p:ext uri="{BB962C8B-B14F-4D97-AF65-F5344CB8AC3E}">
+        <p14:creationId xmlns:p14="http://schemas.microsoft.com/office/powerpoint/2010/main" val="2316840680"/>
+      </p:ext>
+    </p:extLst>
+  </p:cSld>
+  <p:clrMapOvr>
+    <a:masterClrMapping/>
+  </p:clrMapOvr>
+</p:sld>
+</file>
+
 <file path=ppt/theme/theme1.xml><?xml version="1.0" encoding="utf-8"?>
 <a:theme xmlns:a="http://schemas.openxmlformats.org/drawingml/2006/main" name="office theme">
   <a:themeElements>

--- a/Presentation.pptx
+++ b/Presentation.pptx
@@ -121,7 +121,7 @@
 <file path=ppt/revisionInfo.xml><?xml version="1.0" encoding="utf-8"?>
 <p1510:revInfo xmlns:a="http://schemas.openxmlformats.org/drawingml/2006/main" xmlns:r="http://schemas.openxmlformats.org/officeDocument/2006/relationships" xmlns:p1510="http://schemas.microsoft.com/office/powerpoint/2015/10/main">
   <p1510:revLst>
-    <p1510:client id="{50965093-146B-4FD5-B952-8275B37DE011}" v="772" dt="2023-04-23T05:56:33.904"/>
+    <p1510:client id="{50965093-146B-4FD5-B952-8275B37DE011}" v="812" dt="2023-04-23T06:05:51.775"/>
   </p1510:revLst>
 </p1510:revInfo>
 </file>
@@ -5642,6 +5642,14 @@
 <file path=ppt/slides/slide7.xml><?xml version="1.0" encoding="utf-8"?>
 <p:sld xmlns:a="http://schemas.openxmlformats.org/drawingml/2006/main" xmlns:r="http://schemas.openxmlformats.org/officeDocument/2006/relationships" xmlns:p="http://schemas.openxmlformats.org/presentationml/2006/main">
   <p:cSld>
+    <p:bg>
+      <p:bgPr>
+        <a:solidFill>
+          <a:schemeClr val="bg1"/>
+        </a:solidFill>
+        <a:effectLst/>
+      </p:bgPr>
+    </p:bg>
     <p:spTree>
       <p:nvGrpSpPr>
         <p:cNvPr id="1" name=""/>
@@ -5656,6 +5664,66 @@
           <a:chExt cx="0" cy="0"/>
         </a:xfrm>
       </p:grpSpPr>
+      <p:sp useBgFill="1">
+        <p:nvSpPr>
+          <p:cNvPr id="8" name="Rectangle 7">
+            <a:extLst>
+              <a:ext uri="{FF2B5EF4-FFF2-40B4-BE49-F238E27FC236}">
+                <a16:creationId xmlns:a16="http://schemas.microsoft.com/office/drawing/2014/main" id="{100EDD19-6802-4EC3-95CE-CFFAB042CFD6}"/>
+              </a:ext>
+              <a:ext uri="{C183D7F6-B498-43B3-948B-1728B52AA6E4}">
+                <adec:decorative xmlns:adec="http://schemas.microsoft.com/office/drawing/2017/decorative" val="1"/>
+              </a:ext>
+            </a:extLst>
+          </p:cNvPr>
+          <p:cNvSpPr>
+            <a:spLocks noGrp="1" noRot="1" noChangeAspect="1" noMove="1" noResize="1" noEditPoints="1" noAdjustHandles="1" noChangeArrowheads="1" noChangeShapeType="1" noTextEdit="1"/>
+          </p:cNvSpPr>
+          <p:nvPr>
+            <p:extLst>
+              <p:ext uri="{386F3935-93C4-4BCD-93E2-E3B085C9AB24}">
+                <p16:designElem xmlns:p16="http://schemas.microsoft.com/office/powerpoint/2015/main" val="1"/>
+              </p:ext>
+            </p:extLst>
+          </p:nvPr>
+        </p:nvSpPr>
+        <p:spPr>
+          <a:xfrm>
+            <a:off x="0" y="0"/>
+            <a:ext cx="12188952" cy="6858000"/>
+          </a:xfrm>
+          <a:prstGeom prst="rect">
+            <a:avLst/>
+          </a:prstGeom>
+          <a:ln>
+            <a:noFill/>
+          </a:ln>
+        </p:spPr>
+        <p:style>
+          <a:lnRef idx="2">
+            <a:schemeClr val="accent1">
+              <a:shade val="50000"/>
+            </a:schemeClr>
+          </a:lnRef>
+          <a:fillRef idx="1">
+            <a:schemeClr val="accent1"/>
+          </a:fillRef>
+          <a:effectRef idx="0">
+            <a:schemeClr val="accent1"/>
+          </a:effectRef>
+          <a:fontRef idx="minor">
+            <a:schemeClr val="lt1"/>
+          </a:fontRef>
+        </p:style>
+        <p:txBody>
+          <a:bodyPr rtlCol="0" anchor="ctr"/>
+          <a:lstStyle/>
+          <a:p>
+            <a:pPr algn="ctr"/>
+            <a:endParaRPr lang="en-US"/>
+          </a:p>
+        </p:txBody>
+      </p:sp>
       <p:sp>
         <p:nvSpPr>
           <p:cNvPr id="2" name="Title 1">
@@ -5672,18 +5740,663 @@
             <p:ph type="title"/>
           </p:nvPr>
         </p:nvSpPr>
-        <p:spPr/>
-        <p:txBody>
-          <a:bodyPr/>
-          <a:lstStyle/>
-          <a:p>
-            <a:r>
-              <a:rPr lang="en-US" dirty="0">
+        <p:spPr>
+          <a:xfrm>
+            <a:off x="838200" y="365125"/>
+            <a:ext cx="10515600" cy="1325563"/>
+          </a:xfrm>
+        </p:spPr>
+        <p:txBody>
+          <a:bodyPr>
+            <a:normAutofit/>
+          </a:bodyPr>
+          <a:lstStyle/>
+          <a:p>
+            <a:r>
+              <a:rPr lang="en-US" sz="5400">
                 <a:cs typeface="Calibri Light"/>
               </a:rPr>
               <a:t>Results – Logistic Regression</a:t>
             </a:r>
-            <a:endParaRPr lang="en-US" dirty="0"/>
+            <a:endParaRPr lang="en-US" sz="5400"/>
+          </a:p>
+        </p:txBody>
+      </p:sp>
+      <p:sp>
+        <p:nvSpPr>
+          <p:cNvPr id="10" name="sketch line">
+            <a:extLst>
+              <a:ext uri="{FF2B5EF4-FFF2-40B4-BE49-F238E27FC236}">
+                <a16:creationId xmlns:a16="http://schemas.microsoft.com/office/drawing/2014/main" id="{DB17E863-922E-4C26-BD64-E8FD41D28661}"/>
+              </a:ext>
+              <a:ext uri="{C183D7F6-B498-43B3-948B-1728B52AA6E4}">
+                <adec:decorative xmlns:adec="http://schemas.microsoft.com/office/drawing/2017/decorative" val="1"/>
+              </a:ext>
+            </a:extLst>
+          </p:cNvPr>
+          <p:cNvSpPr>
+            <a:spLocks noGrp="1" noRot="1" noChangeAspect="1" noMove="1" noResize="1" noEditPoints="1" noAdjustHandles="1" noChangeArrowheads="1" noChangeShapeType="1" noTextEdit="1"/>
+          </p:cNvSpPr>
+          <p:nvPr>
+            <p:extLst>
+              <p:ext uri="{386F3935-93C4-4BCD-93E2-E3B085C9AB24}">
+                <p16:designElem xmlns:p16="http://schemas.microsoft.com/office/powerpoint/2015/main" val="1"/>
+              </p:ext>
+            </p:extLst>
+          </p:nvPr>
+        </p:nvSpPr>
+        <p:spPr>
+          <a:xfrm>
+            <a:off x="669036" y="1677373"/>
+            <a:ext cx="10853928" cy="18288"/>
+          </a:xfrm>
+          <a:custGeom>
+            <a:avLst/>
+            <a:gdLst>
+              <a:gd name="connsiteX0" fmla="*/ 0 w 10853928"/>
+              <a:gd name="connsiteY0" fmla="*/ 0 h 18288"/>
+              <a:gd name="connsiteX1" fmla="*/ 461292 w 10853928"/>
+              <a:gd name="connsiteY1" fmla="*/ 0 h 18288"/>
+              <a:gd name="connsiteX2" fmla="*/ 1139662 w 10853928"/>
+              <a:gd name="connsiteY2" fmla="*/ 0 h 18288"/>
+              <a:gd name="connsiteX3" fmla="*/ 1926572 w 10853928"/>
+              <a:gd name="connsiteY3" fmla="*/ 0 h 18288"/>
+              <a:gd name="connsiteX4" fmla="*/ 2279325 w 10853928"/>
+              <a:gd name="connsiteY4" fmla="*/ 0 h 18288"/>
+              <a:gd name="connsiteX5" fmla="*/ 2632078 w 10853928"/>
+              <a:gd name="connsiteY5" fmla="*/ 0 h 18288"/>
+              <a:gd name="connsiteX6" fmla="*/ 3527527 w 10853928"/>
+              <a:gd name="connsiteY6" fmla="*/ 0 h 18288"/>
+              <a:gd name="connsiteX7" fmla="*/ 4205897 w 10853928"/>
+              <a:gd name="connsiteY7" fmla="*/ 0 h 18288"/>
+              <a:gd name="connsiteX8" fmla="*/ 4558650 w 10853928"/>
+              <a:gd name="connsiteY8" fmla="*/ 0 h 18288"/>
+              <a:gd name="connsiteX9" fmla="*/ 5237020 w 10853928"/>
+              <a:gd name="connsiteY9" fmla="*/ 0 h 18288"/>
+              <a:gd name="connsiteX10" fmla="*/ 6132469 w 10853928"/>
+              <a:gd name="connsiteY10" fmla="*/ 0 h 18288"/>
+              <a:gd name="connsiteX11" fmla="*/ 6702301 w 10853928"/>
+              <a:gd name="connsiteY11" fmla="*/ 0 h 18288"/>
+              <a:gd name="connsiteX12" fmla="*/ 7272132 w 10853928"/>
+              <a:gd name="connsiteY12" fmla="*/ 0 h 18288"/>
+              <a:gd name="connsiteX13" fmla="*/ 7950502 w 10853928"/>
+              <a:gd name="connsiteY13" fmla="*/ 0 h 18288"/>
+              <a:gd name="connsiteX14" fmla="*/ 8737412 w 10853928"/>
+              <a:gd name="connsiteY14" fmla="*/ 0 h 18288"/>
+              <a:gd name="connsiteX15" fmla="*/ 9524322 w 10853928"/>
+              <a:gd name="connsiteY15" fmla="*/ 0 h 18288"/>
+              <a:gd name="connsiteX16" fmla="*/ 10853928 w 10853928"/>
+              <a:gd name="connsiteY16" fmla="*/ 0 h 18288"/>
+              <a:gd name="connsiteX17" fmla="*/ 10853928 w 10853928"/>
+              <a:gd name="connsiteY17" fmla="*/ 18288 h 18288"/>
+              <a:gd name="connsiteX18" fmla="*/ 10392636 w 10853928"/>
+              <a:gd name="connsiteY18" fmla="*/ 18288 h 18288"/>
+              <a:gd name="connsiteX19" fmla="*/ 9497187 w 10853928"/>
+              <a:gd name="connsiteY19" fmla="*/ 18288 h 18288"/>
+              <a:gd name="connsiteX20" fmla="*/ 8818817 w 10853928"/>
+              <a:gd name="connsiteY20" fmla="*/ 18288 h 18288"/>
+              <a:gd name="connsiteX21" fmla="*/ 8466064 w 10853928"/>
+              <a:gd name="connsiteY21" fmla="*/ 18288 h 18288"/>
+              <a:gd name="connsiteX22" fmla="*/ 7787693 w 10853928"/>
+              <a:gd name="connsiteY22" fmla="*/ 18288 h 18288"/>
+              <a:gd name="connsiteX23" fmla="*/ 7217862 w 10853928"/>
+              <a:gd name="connsiteY23" fmla="*/ 18288 h 18288"/>
+              <a:gd name="connsiteX24" fmla="*/ 6648031 w 10853928"/>
+              <a:gd name="connsiteY24" fmla="*/ 18288 h 18288"/>
+              <a:gd name="connsiteX25" fmla="*/ 6078200 w 10853928"/>
+              <a:gd name="connsiteY25" fmla="*/ 18288 h 18288"/>
+              <a:gd name="connsiteX26" fmla="*/ 5508368 w 10853928"/>
+              <a:gd name="connsiteY26" fmla="*/ 18288 h 18288"/>
+              <a:gd name="connsiteX27" fmla="*/ 4721459 w 10853928"/>
+              <a:gd name="connsiteY27" fmla="*/ 18288 h 18288"/>
+              <a:gd name="connsiteX28" fmla="*/ 4043088 w 10853928"/>
+              <a:gd name="connsiteY28" fmla="*/ 18288 h 18288"/>
+              <a:gd name="connsiteX29" fmla="*/ 3690336 w 10853928"/>
+              <a:gd name="connsiteY29" fmla="*/ 18288 h 18288"/>
+              <a:gd name="connsiteX30" fmla="*/ 3120504 w 10853928"/>
+              <a:gd name="connsiteY30" fmla="*/ 18288 h 18288"/>
+              <a:gd name="connsiteX31" fmla="*/ 2333595 w 10853928"/>
+              <a:gd name="connsiteY31" fmla="*/ 18288 h 18288"/>
+              <a:gd name="connsiteX32" fmla="*/ 1872303 w 10853928"/>
+              <a:gd name="connsiteY32" fmla="*/ 18288 h 18288"/>
+              <a:gd name="connsiteX33" fmla="*/ 976854 w 10853928"/>
+              <a:gd name="connsiteY33" fmla="*/ 18288 h 18288"/>
+              <a:gd name="connsiteX34" fmla="*/ 0 w 10853928"/>
+              <a:gd name="connsiteY34" fmla="*/ 18288 h 18288"/>
+              <a:gd name="connsiteX35" fmla="*/ 0 w 10853928"/>
+              <a:gd name="connsiteY35" fmla="*/ 0 h 18288"/>
+            </a:gdLst>
+            <a:ahLst/>
+            <a:cxnLst>
+              <a:cxn ang="0">
+                <a:pos x="connsiteX0" y="connsiteY0"/>
+              </a:cxn>
+              <a:cxn ang="0">
+                <a:pos x="connsiteX1" y="connsiteY1"/>
+              </a:cxn>
+              <a:cxn ang="0">
+                <a:pos x="connsiteX2" y="connsiteY2"/>
+              </a:cxn>
+              <a:cxn ang="0">
+                <a:pos x="connsiteX3" y="connsiteY3"/>
+              </a:cxn>
+              <a:cxn ang="0">
+                <a:pos x="connsiteX4" y="connsiteY4"/>
+              </a:cxn>
+              <a:cxn ang="0">
+                <a:pos x="connsiteX5" y="connsiteY5"/>
+              </a:cxn>
+              <a:cxn ang="0">
+                <a:pos x="connsiteX6" y="connsiteY6"/>
+              </a:cxn>
+              <a:cxn ang="0">
+                <a:pos x="connsiteX7" y="connsiteY7"/>
+              </a:cxn>
+              <a:cxn ang="0">
+                <a:pos x="connsiteX8" y="connsiteY8"/>
+              </a:cxn>
+              <a:cxn ang="0">
+                <a:pos x="connsiteX9" y="connsiteY9"/>
+              </a:cxn>
+              <a:cxn ang="0">
+                <a:pos x="connsiteX10" y="connsiteY10"/>
+              </a:cxn>
+              <a:cxn ang="0">
+                <a:pos x="connsiteX11" y="connsiteY11"/>
+              </a:cxn>
+              <a:cxn ang="0">
+                <a:pos x="connsiteX12" y="connsiteY12"/>
+              </a:cxn>
+              <a:cxn ang="0">
+                <a:pos x="connsiteX13" y="connsiteY13"/>
+              </a:cxn>
+              <a:cxn ang="0">
+                <a:pos x="connsiteX14" y="connsiteY14"/>
+              </a:cxn>
+              <a:cxn ang="0">
+                <a:pos x="connsiteX15" y="connsiteY15"/>
+              </a:cxn>
+              <a:cxn ang="0">
+                <a:pos x="connsiteX16" y="connsiteY16"/>
+              </a:cxn>
+              <a:cxn ang="0">
+                <a:pos x="connsiteX17" y="connsiteY17"/>
+              </a:cxn>
+              <a:cxn ang="0">
+                <a:pos x="connsiteX18" y="connsiteY18"/>
+              </a:cxn>
+              <a:cxn ang="0">
+                <a:pos x="connsiteX19" y="connsiteY19"/>
+              </a:cxn>
+              <a:cxn ang="0">
+                <a:pos x="connsiteX20" y="connsiteY20"/>
+              </a:cxn>
+              <a:cxn ang="0">
+                <a:pos x="connsiteX21" y="connsiteY21"/>
+              </a:cxn>
+              <a:cxn ang="0">
+                <a:pos x="connsiteX22" y="connsiteY22"/>
+              </a:cxn>
+              <a:cxn ang="0">
+                <a:pos x="connsiteX23" y="connsiteY23"/>
+              </a:cxn>
+              <a:cxn ang="0">
+                <a:pos x="connsiteX24" y="connsiteY24"/>
+              </a:cxn>
+              <a:cxn ang="0">
+                <a:pos x="connsiteX25" y="connsiteY25"/>
+              </a:cxn>
+              <a:cxn ang="0">
+                <a:pos x="connsiteX26" y="connsiteY26"/>
+              </a:cxn>
+              <a:cxn ang="0">
+                <a:pos x="connsiteX27" y="connsiteY27"/>
+              </a:cxn>
+              <a:cxn ang="0">
+                <a:pos x="connsiteX28" y="connsiteY28"/>
+              </a:cxn>
+              <a:cxn ang="0">
+                <a:pos x="connsiteX29" y="connsiteY29"/>
+              </a:cxn>
+              <a:cxn ang="0">
+                <a:pos x="connsiteX30" y="connsiteY30"/>
+              </a:cxn>
+              <a:cxn ang="0">
+                <a:pos x="connsiteX31" y="connsiteY31"/>
+              </a:cxn>
+              <a:cxn ang="0">
+                <a:pos x="connsiteX32" y="connsiteY32"/>
+              </a:cxn>
+              <a:cxn ang="0">
+                <a:pos x="connsiteX33" y="connsiteY33"/>
+              </a:cxn>
+              <a:cxn ang="0">
+                <a:pos x="connsiteX34" y="connsiteY34"/>
+              </a:cxn>
+              <a:cxn ang="0">
+                <a:pos x="connsiteX35" y="connsiteY35"/>
+              </a:cxn>
+            </a:cxnLst>
+            <a:rect l="l" t="t" r="r" b="b"/>
+            <a:pathLst>
+              <a:path w="10853928" h="18288" fill="none" extrusionOk="0">
+                <a:moveTo>
+                  <a:pt x="0" y="0"/>
+                </a:moveTo>
+                <a:cubicBezTo>
+                  <a:pt x="146993" y="-19076"/>
+                  <a:pt x="347684" y="-4790"/>
+                  <a:pt x="461292" y="0"/>
+                </a:cubicBezTo>
+                <a:cubicBezTo>
+                  <a:pt x="574900" y="4790"/>
+                  <a:pt x="808367" y="19821"/>
+                  <a:pt x="1139662" y="0"/>
+                </a:cubicBezTo>
+                <a:cubicBezTo>
+                  <a:pt x="1470957" y="-19821"/>
+                  <a:pt x="1627405" y="5721"/>
+                  <a:pt x="1926572" y="0"/>
+                </a:cubicBezTo>
+                <a:cubicBezTo>
+                  <a:pt x="2225739" y="-5721"/>
+                  <a:pt x="2137730" y="-3235"/>
+                  <a:pt x="2279325" y="0"/>
+                </a:cubicBezTo>
+                <a:cubicBezTo>
+                  <a:pt x="2420920" y="3235"/>
+                  <a:pt x="2456518" y="9685"/>
+                  <a:pt x="2632078" y="0"/>
+                </a:cubicBezTo>
+                <a:cubicBezTo>
+                  <a:pt x="2807638" y="-9685"/>
+                  <a:pt x="3211516" y="-43007"/>
+                  <a:pt x="3527527" y="0"/>
+                </a:cubicBezTo>
+                <a:cubicBezTo>
+                  <a:pt x="3843538" y="43007"/>
+                  <a:pt x="4058833" y="22042"/>
+                  <a:pt x="4205897" y="0"/>
+                </a:cubicBezTo>
+                <a:cubicBezTo>
+                  <a:pt x="4352961" y="-22042"/>
+                  <a:pt x="4474805" y="-11846"/>
+                  <a:pt x="4558650" y="0"/>
+                </a:cubicBezTo>
+                <a:cubicBezTo>
+                  <a:pt x="4642495" y="11846"/>
+                  <a:pt x="5041928" y="-6069"/>
+                  <a:pt x="5237020" y="0"/>
+                </a:cubicBezTo>
+                <a:cubicBezTo>
+                  <a:pt x="5432112" y="6069"/>
+                  <a:pt x="5943266" y="-17479"/>
+                  <a:pt x="6132469" y="0"/>
+                </a:cubicBezTo>
+                <a:cubicBezTo>
+                  <a:pt x="6321672" y="17479"/>
+                  <a:pt x="6483872" y="26234"/>
+                  <a:pt x="6702301" y="0"/>
+                </a:cubicBezTo>
+                <a:cubicBezTo>
+                  <a:pt x="6920730" y="-26234"/>
+                  <a:pt x="6991194" y="-15156"/>
+                  <a:pt x="7272132" y="0"/>
+                </a:cubicBezTo>
+                <a:cubicBezTo>
+                  <a:pt x="7553070" y="15156"/>
+                  <a:pt x="7684444" y="-32961"/>
+                  <a:pt x="7950502" y="0"/>
+                </a:cubicBezTo>
+                <a:cubicBezTo>
+                  <a:pt x="8216560" y="32961"/>
+                  <a:pt x="8493290" y="-10491"/>
+                  <a:pt x="8737412" y="0"/>
+                </a:cubicBezTo>
+                <a:cubicBezTo>
+                  <a:pt x="8981534" y="10491"/>
+                  <a:pt x="9191586" y="-13899"/>
+                  <a:pt x="9524322" y="0"/>
+                </a:cubicBezTo>
+                <a:cubicBezTo>
+                  <a:pt x="9857058" y="13899"/>
+                  <a:pt x="10297509" y="7485"/>
+                  <a:pt x="10853928" y="0"/>
+                </a:cubicBezTo>
+                <a:cubicBezTo>
+                  <a:pt x="10854574" y="4451"/>
+                  <a:pt x="10854418" y="9226"/>
+                  <a:pt x="10853928" y="18288"/>
+                </a:cubicBezTo>
+                <a:cubicBezTo>
+                  <a:pt x="10691638" y="28522"/>
+                  <a:pt x="10574319" y="29578"/>
+                  <a:pt x="10392636" y="18288"/>
+                </a:cubicBezTo>
+                <a:cubicBezTo>
+                  <a:pt x="10210953" y="6998"/>
+                  <a:pt x="9836277" y="-16742"/>
+                  <a:pt x="9497187" y="18288"/>
+                </a:cubicBezTo>
+                <a:cubicBezTo>
+                  <a:pt x="9158097" y="53318"/>
+                  <a:pt x="9119479" y="30714"/>
+                  <a:pt x="8818817" y="18288"/>
+                </a:cubicBezTo>
+                <a:cubicBezTo>
+                  <a:pt x="8518155" y="5863"/>
+                  <a:pt x="8640037" y="6483"/>
+                  <a:pt x="8466064" y="18288"/>
+                </a:cubicBezTo>
+                <a:cubicBezTo>
+                  <a:pt x="8292091" y="30093"/>
+                  <a:pt x="7997656" y="18914"/>
+                  <a:pt x="7787693" y="18288"/>
+                </a:cubicBezTo>
+                <a:cubicBezTo>
+                  <a:pt x="7577730" y="17662"/>
+                  <a:pt x="7412468" y="21416"/>
+                  <a:pt x="7217862" y="18288"/>
+                </a:cubicBezTo>
+                <a:cubicBezTo>
+                  <a:pt x="7023256" y="15160"/>
+                  <a:pt x="6898018" y="14824"/>
+                  <a:pt x="6648031" y="18288"/>
+                </a:cubicBezTo>
+                <a:cubicBezTo>
+                  <a:pt x="6398044" y="21752"/>
+                  <a:pt x="6254402" y="38625"/>
+                  <a:pt x="6078200" y="18288"/>
+                </a:cubicBezTo>
+                <a:cubicBezTo>
+                  <a:pt x="5901998" y="-2049"/>
+                  <a:pt x="5622886" y="3213"/>
+                  <a:pt x="5508368" y="18288"/>
+                </a:cubicBezTo>
+                <a:cubicBezTo>
+                  <a:pt x="5393850" y="33363"/>
+                  <a:pt x="5036260" y="26830"/>
+                  <a:pt x="4721459" y="18288"/>
+                </a:cubicBezTo>
+                <a:cubicBezTo>
+                  <a:pt x="4406658" y="9746"/>
+                  <a:pt x="4239221" y="41551"/>
+                  <a:pt x="4043088" y="18288"/>
+                </a:cubicBezTo>
+                <a:cubicBezTo>
+                  <a:pt x="3846955" y="-4975"/>
+                  <a:pt x="3818802" y="34658"/>
+                  <a:pt x="3690336" y="18288"/>
+                </a:cubicBezTo>
+                <a:cubicBezTo>
+                  <a:pt x="3561870" y="1918"/>
+                  <a:pt x="3265491" y="42194"/>
+                  <a:pt x="3120504" y="18288"/>
+                </a:cubicBezTo>
+                <a:cubicBezTo>
+                  <a:pt x="2975517" y="-5618"/>
+                  <a:pt x="2720254" y="36673"/>
+                  <a:pt x="2333595" y="18288"/>
+                </a:cubicBezTo>
+                <a:cubicBezTo>
+                  <a:pt x="1946936" y="-97"/>
+                  <a:pt x="2097241" y="5776"/>
+                  <a:pt x="1872303" y="18288"/>
+                </a:cubicBezTo>
+                <a:cubicBezTo>
+                  <a:pt x="1647365" y="30800"/>
+                  <a:pt x="1282708" y="45380"/>
+                  <a:pt x="976854" y="18288"/>
+                </a:cubicBezTo>
+                <a:cubicBezTo>
+                  <a:pt x="671000" y="-8804"/>
+                  <a:pt x="408401" y="-12775"/>
+                  <a:pt x="0" y="18288"/>
+                </a:cubicBezTo>
+                <a:cubicBezTo>
+                  <a:pt x="-213" y="9468"/>
+                  <a:pt x="187" y="4459"/>
+                  <a:pt x="0" y="0"/>
+                </a:cubicBezTo>
+                <a:close/>
+              </a:path>
+              <a:path w="10853928" h="18288" stroke="0" extrusionOk="0">
+                <a:moveTo>
+                  <a:pt x="0" y="0"/>
+                </a:moveTo>
+                <a:cubicBezTo>
+                  <a:pt x="267322" y="15284"/>
+                  <a:pt x="415388" y="-21048"/>
+                  <a:pt x="569831" y="0"/>
+                </a:cubicBezTo>
+                <a:cubicBezTo>
+                  <a:pt x="724274" y="21048"/>
+                  <a:pt x="769333" y="-2353"/>
+                  <a:pt x="922584" y="0"/>
+                </a:cubicBezTo>
+                <a:cubicBezTo>
+                  <a:pt x="1075835" y="2353"/>
+                  <a:pt x="1399490" y="-145"/>
+                  <a:pt x="1818033" y="0"/>
+                </a:cubicBezTo>
+                <a:cubicBezTo>
+                  <a:pt x="2236576" y="145"/>
+                  <a:pt x="2145330" y="5482"/>
+                  <a:pt x="2387864" y="0"/>
+                </a:cubicBezTo>
+                <a:cubicBezTo>
+                  <a:pt x="2630398" y="-5482"/>
+                  <a:pt x="2793207" y="18487"/>
+                  <a:pt x="2957695" y="0"/>
+                </a:cubicBezTo>
+                <a:cubicBezTo>
+                  <a:pt x="3122183" y="-18487"/>
+                  <a:pt x="3579141" y="19003"/>
+                  <a:pt x="3853144" y="0"/>
+                </a:cubicBezTo>
+                <a:cubicBezTo>
+                  <a:pt x="4127147" y="-19003"/>
+                  <a:pt x="4209857" y="12211"/>
+                  <a:pt x="4314436" y="0"/>
+                </a:cubicBezTo>
+                <a:cubicBezTo>
+                  <a:pt x="4419015" y="-12211"/>
+                  <a:pt x="4762459" y="-17220"/>
+                  <a:pt x="5209885" y="0"/>
+                </a:cubicBezTo>
+                <a:cubicBezTo>
+                  <a:pt x="5657311" y="17220"/>
+                  <a:pt x="5692663" y="-3290"/>
+                  <a:pt x="6105335" y="0"/>
+                </a:cubicBezTo>
+                <a:cubicBezTo>
+                  <a:pt x="6518007" y="3290"/>
+                  <a:pt x="6455516" y="-5124"/>
+                  <a:pt x="6783705" y="0"/>
+                </a:cubicBezTo>
+                <a:cubicBezTo>
+                  <a:pt x="7111894" y="5124"/>
+                  <a:pt x="7441941" y="-17829"/>
+                  <a:pt x="7679154" y="0"/>
+                </a:cubicBezTo>
+                <a:cubicBezTo>
+                  <a:pt x="7916367" y="17829"/>
+                  <a:pt x="8102967" y="-24363"/>
+                  <a:pt x="8248985" y="0"/>
+                </a:cubicBezTo>
+                <a:cubicBezTo>
+                  <a:pt x="8395003" y="24363"/>
+                  <a:pt x="8552393" y="25505"/>
+                  <a:pt x="8818817" y="0"/>
+                </a:cubicBezTo>
+                <a:cubicBezTo>
+                  <a:pt x="9085241" y="-25505"/>
+                  <a:pt x="9411308" y="38000"/>
+                  <a:pt x="9605726" y="0"/>
+                </a:cubicBezTo>
+                <a:cubicBezTo>
+                  <a:pt x="9800144" y="-38000"/>
+                  <a:pt x="10006468" y="-25741"/>
+                  <a:pt x="10175558" y="0"/>
+                </a:cubicBezTo>
+                <a:cubicBezTo>
+                  <a:pt x="10344648" y="25741"/>
+                  <a:pt x="10696282" y="695"/>
+                  <a:pt x="10853928" y="0"/>
+                </a:cubicBezTo>
+                <a:cubicBezTo>
+                  <a:pt x="10853521" y="8690"/>
+                  <a:pt x="10853774" y="14141"/>
+                  <a:pt x="10853928" y="18288"/>
+                </a:cubicBezTo>
+                <a:cubicBezTo>
+                  <a:pt x="10608124" y="24255"/>
+                  <a:pt x="10343415" y="22307"/>
+                  <a:pt x="10067018" y="18288"/>
+                </a:cubicBezTo>
+                <a:cubicBezTo>
+                  <a:pt x="9790621" y="14270"/>
+                  <a:pt x="9843266" y="3564"/>
+                  <a:pt x="9714266" y="18288"/>
+                </a:cubicBezTo>
+                <a:cubicBezTo>
+                  <a:pt x="9585266" y="33012"/>
+                  <a:pt x="9379484" y="1875"/>
+                  <a:pt x="9252974" y="18288"/>
+                </a:cubicBezTo>
+                <a:cubicBezTo>
+                  <a:pt x="9126464" y="34701"/>
+                  <a:pt x="8580678" y="-4904"/>
+                  <a:pt x="8357525" y="18288"/>
+                </a:cubicBezTo>
+                <a:cubicBezTo>
+                  <a:pt x="8134372" y="41480"/>
+                  <a:pt x="7903199" y="26458"/>
+                  <a:pt x="7679154" y="18288"/>
+                </a:cubicBezTo>
+                <a:cubicBezTo>
+                  <a:pt x="7455109" y="10118"/>
+                  <a:pt x="7435944" y="27109"/>
+                  <a:pt x="7217862" y="18288"/>
+                </a:cubicBezTo>
+                <a:cubicBezTo>
+                  <a:pt x="6999780" y="9467"/>
+                  <a:pt x="6680409" y="18985"/>
+                  <a:pt x="6539492" y="18288"/>
+                </a:cubicBezTo>
+                <a:cubicBezTo>
+                  <a:pt x="6398575" y="17592"/>
+                  <a:pt x="6312077" y="33018"/>
+                  <a:pt x="6186739" y="18288"/>
+                </a:cubicBezTo>
+                <a:cubicBezTo>
+                  <a:pt x="6061401" y="3558"/>
+                  <a:pt x="5947033" y="12075"/>
+                  <a:pt x="5833986" y="18288"/>
+                </a:cubicBezTo>
+                <a:cubicBezTo>
+                  <a:pt x="5720939" y="24501"/>
+                  <a:pt x="5482226" y="8586"/>
+                  <a:pt x="5155616" y="18288"/>
+                </a:cubicBezTo>
+                <a:cubicBezTo>
+                  <a:pt x="4829006" y="27991"/>
+                  <a:pt x="4841274" y="29316"/>
+                  <a:pt x="4694324" y="18288"/>
+                </a:cubicBezTo>
+                <a:cubicBezTo>
+                  <a:pt x="4547374" y="7260"/>
+                  <a:pt x="4077675" y="7013"/>
+                  <a:pt x="3907414" y="18288"/>
+                </a:cubicBezTo>
+                <a:cubicBezTo>
+                  <a:pt x="3737153" y="29564"/>
+                  <a:pt x="3538393" y="21630"/>
+                  <a:pt x="3446122" y="18288"/>
+                </a:cubicBezTo>
+                <a:cubicBezTo>
+                  <a:pt x="3353851" y="14946"/>
+                  <a:pt x="2990320" y="-8091"/>
+                  <a:pt x="2659212" y="18288"/>
+                </a:cubicBezTo>
+                <a:cubicBezTo>
+                  <a:pt x="2328104" y="44667"/>
+                  <a:pt x="2427653" y="9607"/>
+                  <a:pt x="2306460" y="18288"/>
+                </a:cubicBezTo>
+                <a:cubicBezTo>
+                  <a:pt x="2185267" y="26969"/>
+                  <a:pt x="1719763" y="3717"/>
+                  <a:pt x="1519550" y="18288"/>
+                </a:cubicBezTo>
+                <a:cubicBezTo>
+                  <a:pt x="1319337" y="32860"/>
+                  <a:pt x="1167371" y="17040"/>
+                  <a:pt x="1058258" y="18288"/>
+                </a:cubicBezTo>
+                <a:cubicBezTo>
+                  <a:pt x="949145" y="19536"/>
+                  <a:pt x="780234" y="31447"/>
+                  <a:pt x="705505" y="18288"/>
+                </a:cubicBezTo>
+                <a:cubicBezTo>
+                  <a:pt x="630776" y="5129"/>
+                  <a:pt x="215796" y="30056"/>
+                  <a:pt x="0" y="18288"/>
+                </a:cubicBezTo>
+                <a:cubicBezTo>
+                  <a:pt x="-53" y="11301"/>
+                  <a:pt x="-649" y="7756"/>
+                  <a:pt x="0" y="0"/>
+                </a:cubicBezTo>
+                <a:close/>
+              </a:path>
+            </a:pathLst>
+          </a:custGeom>
+          <a:solidFill>
+            <a:schemeClr val="accent2"/>
+          </a:solidFill>
+          <a:ln w="41275" cap="rnd">
+            <a:solidFill>
+              <a:schemeClr val="accent2"/>
+            </a:solidFill>
+            <a:round/>
+            <a:extLst>
+              <a:ext uri="{C807C97D-BFC1-408E-A445-0C87EB9F89A2}">
+                <ask:lineSketchStyleProps xmlns:ask="http://schemas.microsoft.com/office/drawing/2018/sketchyshapes" sd="1219033472">
+                  <a:prstGeom prst="rect">
+                    <a:avLst/>
+                  </a:prstGeom>
+                  <ask:type>
+                    <ask:lineSketchFreehand/>
+                  </ask:type>
+                </ask:lineSketchStyleProps>
+              </a:ext>
+            </a:extLst>
+          </a:ln>
+        </p:spPr>
+        <p:style>
+          <a:lnRef idx="2">
+            <a:schemeClr val="accent1">
+              <a:shade val="50000"/>
+            </a:schemeClr>
+          </a:lnRef>
+          <a:fillRef idx="1">
+            <a:schemeClr val="accent1"/>
+          </a:fillRef>
+          <a:effectRef idx="0">
+            <a:schemeClr val="accent1"/>
+          </a:effectRef>
+          <a:fontRef idx="minor">
+            <a:schemeClr val="lt1"/>
+          </a:fontRef>
+        </p:style>
+        <p:txBody>
+          <a:bodyPr rtlCol="0" anchor="ctr"/>
+          <a:lstStyle/>
+          <a:p>
+            <a:pPr algn="ctr"/>
+            <a:endParaRPr lang="en-US"/>
           </a:p>
         </p:txBody>
       </p:sp>
@@ -5703,20 +6416,25 @@
             <p:ph idx="1"/>
           </p:nvPr>
         </p:nvSpPr>
-        <p:spPr/>
-        <p:txBody>
-          <a:bodyPr vert="horz" lIns="91440" tIns="45720" rIns="91440" bIns="45720" rtlCol="0" anchor="t">
+        <p:spPr>
+          <a:xfrm>
+            <a:off x="838200" y="1929384"/>
+            <a:ext cx="10515600" cy="4251960"/>
+          </a:xfrm>
+        </p:spPr>
+        <p:txBody>
+          <a:bodyPr vert="horz" lIns="91440" tIns="45720" rIns="91440" bIns="45720" rtlCol="0">
             <a:normAutofit/>
           </a:bodyPr>
           <a:lstStyle/>
           <a:p>
             <a:r>
-              <a:rPr lang="en-US" dirty="0">
+              <a:rPr lang="en-US" sz="2200">
                 <a:cs typeface="Calibri"/>
               </a:rPr>
-              <a:t>As stated in the slide before, the model is accurate 99 percent of the time. The pros of this model are its simplicity, interpretability, and robustness. However, the cons are that it does not handle outliers well and does not work as well with multicollinearity. Unfortunately, in the data set we chose there are not outliers and there is not much multicollinearity.</a:t>
-            </a:r>
-            <a:endParaRPr lang="en-US" dirty="0"/>
+              <a:t>As stated in the slide before, the model is accurate 99 percent of the time. The pros of this model are its simplicity, interpretability, and robustness. However, the cons are that it does not handle outliers well and does not work as well with multicollinearity. Unfortunately, in the data set we chose there are not outliers and there is not much multicollinearity. Even though we did add some multi collinearity with the one hot encoding it was not enough to severely affect the model.</a:t>
+            </a:r>
+            <a:endParaRPr lang="en-US" sz="2200"/>
           </a:p>
         </p:txBody>
       </p:sp>

--- a/Presentation.pptx
+++ b/Presentation.pptx
@@ -12,6 +12,9 @@
     <p:sldId id="260" r:id="rId6"/>
     <p:sldId id="261" r:id="rId7"/>
     <p:sldId id="262" r:id="rId8"/>
+    <p:sldId id="263" r:id="rId9"/>
+    <p:sldId id="264" r:id="rId10"/>
+    <p:sldId id="265" r:id="rId11"/>
   </p:sldIdLst>
   <p:sldSz cx="12192000" cy="6858000"/>
   <p:notesSz cx="6858000" cy="9144000"/>
@@ -257,7 +260,7 @@
           <a:p>
             <a:fld id="{846CE7D5-CF57-46EF-B807-FDD0502418D4}" type="datetimeFigureOut">
               <a:rPr lang="en-US" smtClean="0"/>
-              <a:t>4/22/2023</a:t>
+              <a:t>5/4/2023</a:t>
             </a:fld>
             <a:endParaRPr lang="en-US"/>
           </a:p>
@@ -427,7 +430,7 @@
           <a:p>
             <a:fld id="{846CE7D5-CF57-46EF-B807-FDD0502418D4}" type="datetimeFigureOut">
               <a:rPr lang="en-US" smtClean="0"/>
-              <a:t>4/22/2023</a:t>
+              <a:t>5/4/2023</a:t>
             </a:fld>
             <a:endParaRPr lang="en-US"/>
           </a:p>
@@ -607,7 +610,7 @@
           <a:p>
             <a:fld id="{846CE7D5-CF57-46EF-B807-FDD0502418D4}" type="datetimeFigureOut">
               <a:rPr lang="en-US" smtClean="0"/>
-              <a:t>4/22/2023</a:t>
+              <a:t>5/4/2023</a:t>
             </a:fld>
             <a:endParaRPr lang="en-US"/>
           </a:p>
@@ -777,7 +780,7 @@
           <a:p>
             <a:fld id="{846CE7D5-CF57-46EF-B807-FDD0502418D4}" type="datetimeFigureOut">
               <a:rPr lang="en-US" smtClean="0"/>
-              <a:t>4/22/2023</a:t>
+              <a:t>5/4/2023</a:t>
             </a:fld>
             <a:endParaRPr lang="en-US"/>
           </a:p>
@@ -1023,7 +1026,7 @@
           <a:p>
             <a:fld id="{846CE7D5-CF57-46EF-B807-FDD0502418D4}" type="datetimeFigureOut">
               <a:rPr lang="en-US" smtClean="0"/>
-              <a:t>4/22/2023</a:t>
+              <a:t>5/4/2023</a:t>
             </a:fld>
             <a:endParaRPr lang="en-US"/>
           </a:p>
@@ -1255,7 +1258,7 @@
           <a:p>
             <a:fld id="{846CE7D5-CF57-46EF-B807-FDD0502418D4}" type="datetimeFigureOut">
               <a:rPr lang="en-US" smtClean="0"/>
-              <a:t>4/22/2023</a:t>
+              <a:t>5/4/2023</a:t>
             </a:fld>
             <a:endParaRPr lang="en-US"/>
           </a:p>
@@ -1622,7 +1625,7 @@
           <a:p>
             <a:fld id="{846CE7D5-CF57-46EF-B807-FDD0502418D4}" type="datetimeFigureOut">
               <a:rPr lang="en-US" smtClean="0"/>
-              <a:t>4/22/2023</a:t>
+              <a:t>5/4/2023</a:t>
             </a:fld>
             <a:endParaRPr lang="en-US"/>
           </a:p>
@@ -1740,7 +1743,7 @@
           <a:p>
             <a:fld id="{846CE7D5-CF57-46EF-B807-FDD0502418D4}" type="datetimeFigureOut">
               <a:rPr lang="en-US" smtClean="0"/>
-              <a:t>4/22/2023</a:t>
+              <a:t>5/4/2023</a:t>
             </a:fld>
             <a:endParaRPr lang="en-US"/>
           </a:p>
@@ -1835,7 +1838,7 @@
           <a:p>
             <a:fld id="{846CE7D5-CF57-46EF-B807-FDD0502418D4}" type="datetimeFigureOut">
               <a:rPr lang="en-US" smtClean="0"/>
-              <a:t>4/22/2023</a:t>
+              <a:t>5/4/2023</a:t>
             </a:fld>
             <a:endParaRPr lang="en-US"/>
           </a:p>
@@ -2112,7 +2115,7 @@
           <a:p>
             <a:fld id="{846CE7D5-CF57-46EF-B807-FDD0502418D4}" type="datetimeFigureOut">
               <a:rPr lang="en-US" smtClean="0"/>
-              <a:t>4/22/2023</a:t>
+              <a:t>5/4/2023</a:t>
             </a:fld>
             <a:endParaRPr lang="en-US"/>
           </a:p>
@@ -2369,7 +2372,7 @@
           <a:p>
             <a:fld id="{846CE7D5-CF57-46EF-B807-FDD0502418D4}" type="datetimeFigureOut">
               <a:rPr lang="en-US" smtClean="0"/>
-              <a:t>4/22/2023</a:t>
+              <a:t>5/4/2023</a:t>
             </a:fld>
             <a:endParaRPr lang="en-US"/>
           </a:p>
@@ -2582,7 +2585,7 @@
           <a:p>
             <a:fld id="{846CE7D5-CF57-46EF-B807-FDD0502418D4}" type="datetimeFigureOut">
               <a:rPr lang="en-US" smtClean="0"/>
-              <a:t>4/22/2023</a:t>
+              <a:t>5/4/2023</a:t>
             </a:fld>
             <a:endParaRPr lang="en-US"/>
           </a:p>
@@ -3615,6 +3618,94 @@
 </p:sld>
 </file>
 
+<file path=ppt/slides/slide10.xml><?xml version="1.0" encoding="utf-8"?>
+<p:sld xmlns:a="http://schemas.openxmlformats.org/drawingml/2006/main" xmlns:r="http://schemas.openxmlformats.org/officeDocument/2006/relationships" xmlns:p="http://schemas.openxmlformats.org/presentationml/2006/main">
+  <p:cSld>
+    <p:spTree>
+      <p:nvGrpSpPr>
+        <p:cNvPr id="1" name=""/>
+        <p:cNvGrpSpPr/>
+        <p:nvPr/>
+      </p:nvGrpSpPr>
+      <p:grpSpPr>
+        <a:xfrm>
+          <a:off x="0" y="0"/>
+          <a:ext cx="0" cy="0"/>
+          <a:chOff x="0" y="0"/>
+          <a:chExt cx="0" cy="0"/>
+        </a:xfrm>
+      </p:grpSpPr>
+      <p:pic>
+        <p:nvPicPr>
+          <p:cNvPr id="5" name="Picture 4">
+            <a:extLst>
+              <a:ext uri="{FF2B5EF4-FFF2-40B4-BE49-F238E27FC236}">
+                <a16:creationId xmlns:a16="http://schemas.microsoft.com/office/drawing/2014/main" id="{CE9DF2B2-3035-84CB-3F7E-44DF77E32589}"/>
+              </a:ext>
+            </a:extLst>
+          </p:cNvPr>
+          <p:cNvPicPr>
+            <a:picLocks noChangeAspect="1"/>
+          </p:cNvPicPr>
+          <p:nvPr/>
+        </p:nvPicPr>
+        <p:blipFill>
+          <a:blip r:embed="rId2"/>
+          <a:stretch>
+            <a:fillRect/>
+          </a:stretch>
+        </p:blipFill>
+        <p:spPr>
+          <a:xfrm>
+            <a:off x="0" y="1663457"/>
+            <a:ext cx="12192000" cy="4496285"/>
+          </a:xfrm>
+          <a:prstGeom prst="rect">
+            <a:avLst/>
+          </a:prstGeom>
+        </p:spPr>
+      </p:pic>
+      <p:sp>
+        <p:nvSpPr>
+          <p:cNvPr id="6" name="Title 5">
+            <a:extLst>
+              <a:ext uri="{FF2B5EF4-FFF2-40B4-BE49-F238E27FC236}">
+                <a16:creationId xmlns:a16="http://schemas.microsoft.com/office/drawing/2014/main" id="{4D23CE04-815E-E743-4D4A-E9C85E35E822}"/>
+              </a:ext>
+            </a:extLst>
+          </p:cNvPr>
+          <p:cNvSpPr>
+            <a:spLocks noGrp="1"/>
+          </p:cNvSpPr>
+          <p:nvPr>
+            <p:ph type="title"/>
+          </p:nvPr>
+        </p:nvSpPr>
+        <p:spPr/>
+        <p:txBody>
+          <a:bodyPr/>
+          <a:lstStyle/>
+          <a:p>
+            <a:r>
+              <a:rPr lang="en-US" dirty="0"/>
+              <a:t>GINI Decision Tree</a:t>
+            </a:r>
+          </a:p>
+        </p:txBody>
+      </p:sp>
+    </p:spTree>
+    <p:extLst>
+      <p:ext uri="{BB962C8B-B14F-4D97-AF65-F5344CB8AC3E}">
+        <p14:creationId xmlns:p14="http://schemas.microsoft.com/office/powerpoint/2010/main" val="1017885277"/>
+      </p:ext>
+    </p:extLst>
+  </p:cSld>
+  <p:clrMapOvr>
+    <a:masterClrMapping/>
+  </p:clrMapOvr>
+</p:sld>
+</file>
+
 <file path=ppt/slides/slide2.xml><?xml version="1.0" encoding="utf-8"?>
 <p:sld xmlns:a="http://schemas.openxmlformats.org/drawingml/2006/main" xmlns:r="http://schemas.openxmlformats.org/officeDocument/2006/relationships" xmlns:p="http://schemas.openxmlformats.org/presentationml/2006/main">
   <p:cSld>
@@ -6442,6 +6533,247 @@
     <p:extLst>
       <p:ext uri="{BB962C8B-B14F-4D97-AF65-F5344CB8AC3E}">
         <p14:creationId xmlns:p14="http://schemas.microsoft.com/office/powerpoint/2010/main" val="2316840680"/>
+      </p:ext>
+    </p:extLst>
+  </p:cSld>
+  <p:clrMapOvr>
+    <a:masterClrMapping/>
+  </p:clrMapOvr>
+</p:sld>
+</file>
+
+<file path=ppt/slides/slide8.xml><?xml version="1.0" encoding="utf-8"?>
+<p:sld xmlns:a="http://schemas.openxmlformats.org/drawingml/2006/main" xmlns:r="http://schemas.openxmlformats.org/officeDocument/2006/relationships" xmlns:p="http://schemas.openxmlformats.org/presentationml/2006/main">
+  <p:cSld>
+    <p:spTree>
+      <p:nvGrpSpPr>
+        <p:cNvPr id="1" name=""/>
+        <p:cNvGrpSpPr/>
+        <p:nvPr/>
+      </p:nvGrpSpPr>
+      <p:grpSpPr>
+        <a:xfrm>
+          <a:off x="0" y="0"/>
+          <a:ext cx="0" cy="0"/>
+          <a:chOff x="0" y="0"/>
+          <a:chExt cx="0" cy="0"/>
+        </a:xfrm>
+      </p:grpSpPr>
+      <p:sp>
+        <p:nvSpPr>
+          <p:cNvPr id="2" name="Title 1">
+            <a:extLst>
+              <a:ext uri="{FF2B5EF4-FFF2-40B4-BE49-F238E27FC236}">
+                <a16:creationId xmlns:a16="http://schemas.microsoft.com/office/drawing/2014/main" id="{C2087D62-4CD3-7BE5-55F5-AD5824646EB9}"/>
+              </a:ext>
+            </a:extLst>
+          </p:cNvPr>
+          <p:cNvSpPr>
+            <a:spLocks noGrp="1"/>
+          </p:cNvSpPr>
+          <p:nvPr>
+            <p:ph type="title"/>
+          </p:nvPr>
+        </p:nvSpPr>
+        <p:spPr>
+          <a:xfrm>
+            <a:off x="638881" y="670218"/>
+            <a:ext cx="10909640" cy="1065836"/>
+          </a:xfrm>
+        </p:spPr>
+        <p:txBody>
+          <a:bodyPr vert="horz" lIns="91440" tIns="45720" rIns="91440" bIns="45720" rtlCol="0" anchor="ctr">
+            <a:normAutofit/>
+          </a:bodyPr>
+          <a:lstStyle/>
+          <a:p>
+            <a:pPr algn="ctr"/>
+            <a:r>
+              <a:rPr lang="en-US" sz="6600" dirty="0"/>
+              <a:t>Decision Trees</a:t>
+            </a:r>
+          </a:p>
+        </p:txBody>
+      </p:sp>
+      <p:sp>
+        <p:nvSpPr>
+          <p:cNvPr id="3" name="Content Placeholder 2">
+            <a:extLst>
+              <a:ext uri="{FF2B5EF4-FFF2-40B4-BE49-F238E27FC236}">
+                <a16:creationId xmlns:a16="http://schemas.microsoft.com/office/drawing/2014/main" id="{282ADFC2-0BEA-0232-D913-FB42A78CD6E1}"/>
+              </a:ext>
+            </a:extLst>
+          </p:cNvPr>
+          <p:cNvSpPr>
+            <a:spLocks noGrp="1"/>
+          </p:cNvSpPr>
+          <p:nvPr>
+            <p:ph idx="1"/>
+          </p:nvPr>
+        </p:nvSpPr>
+        <p:spPr>
+          <a:xfrm>
+            <a:off x="638881" y="1813907"/>
+            <a:ext cx="10909643" cy="1189739"/>
+          </a:xfrm>
+        </p:spPr>
+        <p:txBody>
+          <a:bodyPr vert="horz" lIns="91440" tIns="45720" rIns="91440" bIns="45720" rtlCol="0" anchor="ctr">
+            <a:noAutofit/>
+          </a:bodyPr>
+          <a:lstStyle/>
+          <a:p>
+            <a:pPr marL="0" indent="0" algn="ctr">
+              <a:buNone/>
+            </a:pPr>
+            <a:r>
+              <a:rPr lang="en-US" sz="2000" dirty="0"/>
+              <a:t>Another model used was the Decision Tree. The GINI and Entropy criterions were used in two separate Decision Trees and produced similar results. The models were not as accurate as the Logistic Regression model, but the Decision Tree can be visually interpreted much easier than Logistic Regression. There was a slight increase in misclassification for both trees. Both GINI and Entropy trees had an accuracy of 95.9%.</a:t>
+            </a:r>
+          </a:p>
+        </p:txBody>
+      </p:sp>
+      <p:pic>
+        <p:nvPicPr>
+          <p:cNvPr id="8" name="Picture 7">
+            <a:extLst>
+              <a:ext uri="{FF2B5EF4-FFF2-40B4-BE49-F238E27FC236}">
+                <a16:creationId xmlns:a16="http://schemas.microsoft.com/office/drawing/2014/main" id="{E0933A1B-3974-AD21-ACCB-29D0BB751FEF}"/>
+              </a:ext>
+            </a:extLst>
+          </p:cNvPr>
+          <p:cNvPicPr>
+            <a:picLocks noChangeAspect="1"/>
+          </p:cNvPicPr>
+          <p:nvPr/>
+        </p:nvPicPr>
+        <p:blipFill>
+          <a:blip r:embed="rId2"/>
+          <a:stretch>
+            <a:fillRect/>
+          </a:stretch>
+        </p:blipFill>
+        <p:spPr>
+          <a:xfrm>
+            <a:off x="1341707" y="3124200"/>
+            <a:ext cx="9508585" cy="3733800"/>
+          </a:xfrm>
+          <a:prstGeom prst="rect">
+            <a:avLst/>
+          </a:prstGeom>
+        </p:spPr>
+      </p:pic>
+    </p:spTree>
+    <p:extLst>
+      <p:ext uri="{BB962C8B-B14F-4D97-AF65-F5344CB8AC3E}">
+        <p14:creationId xmlns:p14="http://schemas.microsoft.com/office/powerpoint/2010/main" val="3541568630"/>
+      </p:ext>
+    </p:extLst>
+  </p:cSld>
+  <p:clrMapOvr>
+    <a:masterClrMapping/>
+  </p:clrMapOvr>
+</p:sld>
+</file>
+
+<file path=ppt/slides/slide9.xml><?xml version="1.0" encoding="utf-8"?>
+<p:sld xmlns:a="http://schemas.openxmlformats.org/drawingml/2006/main" xmlns:r="http://schemas.openxmlformats.org/officeDocument/2006/relationships" xmlns:p="http://schemas.openxmlformats.org/presentationml/2006/main">
+  <p:cSld>
+    <p:spTree>
+      <p:nvGrpSpPr>
+        <p:cNvPr id="1" name=""/>
+        <p:cNvGrpSpPr/>
+        <p:nvPr/>
+      </p:nvGrpSpPr>
+      <p:grpSpPr>
+        <a:xfrm>
+          <a:off x="0" y="0"/>
+          <a:ext cx="0" cy="0"/>
+          <a:chOff x="0" y="0"/>
+          <a:chExt cx="0" cy="0"/>
+        </a:xfrm>
+      </p:grpSpPr>
+      <p:sp>
+        <p:nvSpPr>
+          <p:cNvPr id="2" name="Title 1">
+            <a:extLst>
+              <a:ext uri="{FF2B5EF4-FFF2-40B4-BE49-F238E27FC236}">
+                <a16:creationId xmlns:a16="http://schemas.microsoft.com/office/drawing/2014/main" id="{040AE8BC-9182-D7F6-4DB4-ABC20CE69942}"/>
+              </a:ext>
+            </a:extLst>
+          </p:cNvPr>
+          <p:cNvSpPr>
+            <a:spLocks noGrp="1"/>
+          </p:cNvSpPr>
+          <p:nvPr>
+            <p:ph type="title"/>
+          </p:nvPr>
+        </p:nvSpPr>
+        <p:spPr>
+          <a:xfrm>
+            <a:off x="838200" y="365125"/>
+            <a:ext cx="10515600" cy="1325563"/>
+          </a:xfrm>
+        </p:spPr>
+        <p:txBody>
+          <a:bodyPr>
+            <a:normAutofit/>
+          </a:bodyPr>
+          <a:lstStyle/>
+          <a:p>
+            <a:r>
+              <a:rPr lang="en-US" sz="5400">
+                <a:cs typeface="Calibri Light"/>
+              </a:rPr>
+              <a:t>Results – Logistic Regression</a:t>
+            </a:r>
+            <a:endParaRPr lang="en-US" sz="5400"/>
+          </a:p>
+        </p:txBody>
+      </p:sp>
+      <p:sp>
+        <p:nvSpPr>
+          <p:cNvPr id="3" name="Content Placeholder 2">
+            <a:extLst>
+              <a:ext uri="{FF2B5EF4-FFF2-40B4-BE49-F238E27FC236}">
+                <a16:creationId xmlns:a16="http://schemas.microsoft.com/office/drawing/2014/main" id="{6F1AD66B-7015-C98F-7879-A00E335572D1}"/>
+              </a:ext>
+            </a:extLst>
+          </p:cNvPr>
+          <p:cNvSpPr>
+            <a:spLocks noGrp="1"/>
+          </p:cNvSpPr>
+          <p:nvPr>
+            <p:ph idx="1"/>
+          </p:nvPr>
+        </p:nvSpPr>
+        <p:spPr>
+          <a:xfrm>
+            <a:off x="838200" y="1929384"/>
+            <a:ext cx="10515600" cy="4251960"/>
+          </a:xfrm>
+        </p:spPr>
+        <p:txBody>
+          <a:bodyPr vert="horz" lIns="91440" tIns="45720" rIns="91440" bIns="45720" rtlCol="0">
+            <a:normAutofit/>
+          </a:bodyPr>
+          <a:lstStyle/>
+          <a:p>
+            <a:pPr marL="0" indent="0">
+              <a:buNone/>
+            </a:pPr>
+            <a:r>
+              <a:rPr lang="en-US" sz="2200" dirty="0"/>
+              <a:t>Both models average an accuracy score of almost 96%. For this data set it is not as accurate as other of the classification models, however the decision tree is very easy to interpret and understand the logic behind the model. One issue of decision trees is that they are prone to overfitting, however since this data set has all the possible combinations of a Tic-Tac-Toe endgame there is not a high risk of overfitting.</a:t>
+            </a:r>
+            <a:endParaRPr lang="en-US" sz="2000" dirty="0"/>
+          </a:p>
+        </p:txBody>
+      </p:sp>
+    </p:spTree>
+    <p:extLst>
+      <p:ext uri="{BB962C8B-B14F-4D97-AF65-F5344CB8AC3E}">
+        <p14:creationId xmlns:p14="http://schemas.microsoft.com/office/powerpoint/2010/main" val="2775768068"/>
       </p:ext>
     </p:extLst>
   </p:cSld>

--- a/Presentation.pptx
+++ b/Presentation.pptx
@@ -15,6 +15,9 @@
     <p:sldId id="263" r:id="rId9"/>
     <p:sldId id="264" r:id="rId10"/>
     <p:sldId id="265" r:id="rId11"/>
+    <p:sldId id="266" r:id="rId12"/>
+    <p:sldId id="267" r:id="rId13"/>
+    <p:sldId id="268" r:id="rId14"/>
   </p:sldIdLst>
   <p:sldSz cx="12192000" cy="6858000"/>
   <p:notesSz cx="6858000" cy="9144000"/>
@@ -260,7 +263,7 @@
           <a:p>
             <a:fld id="{846CE7D5-CF57-46EF-B807-FDD0502418D4}" type="datetimeFigureOut">
               <a:rPr lang="en-US" smtClean="0"/>
-              <a:t>5/4/2023</a:t>
+              <a:t>5/6/23</a:t>
             </a:fld>
             <a:endParaRPr lang="en-US"/>
           </a:p>
@@ -430,7 +433,7 @@
           <a:p>
             <a:fld id="{846CE7D5-CF57-46EF-B807-FDD0502418D4}" type="datetimeFigureOut">
               <a:rPr lang="en-US" smtClean="0"/>
-              <a:t>5/4/2023</a:t>
+              <a:t>5/6/23</a:t>
             </a:fld>
             <a:endParaRPr lang="en-US"/>
           </a:p>
@@ -610,7 +613,7 @@
           <a:p>
             <a:fld id="{846CE7D5-CF57-46EF-B807-FDD0502418D4}" type="datetimeFigureOut">
               <a:rPr lang="en-US" smtClean="0"/>
-              <a:t>5/4/2023</a:t>
+              <a:t>5/6/23</a:t>
             </a:fld>
             <a:endParaRPr lang="en-US"/>
           </a:p>
@@ -780,7 +783,7 @@
           <a:p>
             <a:fld id="{846CE7D5-CF57-46EF-B807-FDD0502418D4}" type="datetimeFigureOut">
               <a:rPr lang="en-US" smtClean="0"/>
-              <a:t>5/4/2023</a:t>
+              <a:t>5/6/23</a:t>
             </a:fld>
             <a:endParaRPr lang="en-US"/>
           </a:p>
@@ -1026,7 +1029,7 @@
           <a:p>
             <a:fld id="{846CE7D5-CF57-46EF-B807-FDD0502418D4}" type="datetimeFigureOut">
               <a:rPr lang="en-US" smtClean="0"/>
-              <a:t>5/4/2023</a:t>
+              <a:t>5/6/23</a:t>
             </a:fld>
             <a:endParaRPr lang="en-US"/>
           </a:p>
@@ -1258,7 +1261,7 @@
           <a:p>
             <a:fld id="{846CE7D5-CF57-46EF-B807-FDD0502418D4}" type="datetimeFigureOut">
               <a:rPr lang="en-US" smtClean="0"/>
-              <a:t>5/4/2023</a:t>
+              <a:t>5/6/23</a:t>
             </a:fld>
             <a:endParaRPr lang="en-US"/>
           </a:p>
@@ -1625,7 +1628,7 @@
           <a:p>
             <a:fld id="{846CE7D5-CF57-46EF-B807-FDD0502418D4}" type="datetimeFigureOut">
               <a:rPr lang="en-US" smtClean="0"/>
-              <a:t>5/4/2023</a:t>
+              <a:t>5/6/23</a:t>
             </a:fld>
             <a:endParaRPr lang="en-US"/>
           </a:p>
@@ -1743,7 +1746,7 @@
           <a:p>
             <a:fld id="{846CE7D5-CF57-46EF-B807-FDD0502418D4}" type="datetimeFigureOut">
               <a:rPr lang="en-US" smtClean="0"/>
-              <a:t>5/4/2023</a:t>
+              <a:t>5/6/23</a:t>
             </a:fld>
             <a:endParaRPr lang="en-US"/>
           </a:p>
@@ -1838,7 +1841,7 @@
           <a:p>
             <a:fld id="{846CE7D5-CF57-46EF-B807-FDD0502418D4}" type="datetimeFigureOut">
               <a:rPr lang="en-US" smtClean="0"/>
-              <a:t>5/4/2023</a:t>
+              <a:t>5/6/23</a:t>
             </a:fld>
             <a:endParaRPr lang="en-US"/>
           </a:p>
@@ -2115,7 +2118,7 @@
           <a:p>
             <a:fld id="{846CE7D5-CF57-46EF-B807-FDD0502418D4}" type="datetimeFigureOut">
               <a:rPr lang="en-US" smtClean="0"/>
-              <a:t>5/4/2023</a:t>
+              <a:t>5/6/23</a:t>
             </a:fld>
             <a:endParaRPr lang="en-US"/>
           </a:p>
@@ -2372,7 +2375,7 @@
           <a:p>
             <a:fld id="{846CE7D5-CF57-46EF-B807-FDD0502418D4}" type="datetimeFigureOut">
               <a:rPr lang="en-US" smtClean="0"/>
-              <a:t>5/4/2023</a:t>
+              <a:t>5/6/23</a:t>
             </a:fld>
             <a:endParaRPr lang="en-US"/>
           </a:p>
@@ -2585,7 +2588,7 @@
           <a:p>
             <a:fld id="{846CE7D5-CF57-46EF-B807-FDD0502418D4}" type="datetimeFigureOut">
               <a:rPr lang="en-US" smtClean="0"/>
-              <a:t>5/4/2023</a:t>
+              <a:t>5/6/23</a:t>
             </a:fld>
             <a:endParaRPr lang="en-US"/>
           </a:p>
@@ -3706,6 +3709,331 @@
 </p:sld>
 </file>
 
+<file path=ppt/slides/slide11.xml><?xml version="1.0" encoding="utf-8"?>
+<p:sld xmlns:a="http://schemas.openxmlformats.org/drawingml/2006/main" xmlns:r="http://schemas.openxmlformats.org/officeDocument/2006/relationships" xmlns:p="http://schemas.openxmlformats.org/presentationml/2006/main">
+  <p:cSld>
+    <p:spTree>
+      <p:nvGrpSpPr>
+        <p:cNvPr id="1" name=""/>
+        <p:cNvGrpSpPr/>
+        <p:nvPr/>
+      </p:nvGrpSpPr>
+      <p:grpSpPr>
+        <a:xfrm>
+          <a:off x="0" y="0"/>
+          <a:ext cx="0" cy="0"/>
+          <a:chOff x="0" y="0"/>
+          <a:chExt cx="0" cy="0"/>
+        </a:xfrm>
+      </p:grpSpPr>
+      <p:sp>
+        <p:nvSpPr>
+          <p:cNvPr id="2" name="Title 1">
+            <a:extLst>
+              <a:ext uri="{FF2B5EF4-FFF2-40B4-BE49-F238E27FC236}">
+                <a16:creationId xmlns:a16="http://schemas.microsoft.com/office/drawing/2014/main" id="{3C30D67A-2770-ED2C-7670-E38910064CD1}"/>
+              </a:ext>
+            </a:extLst>
+          </p:cNvPr>
+          <p:cNvSpPr>
+            <a:spLocks noGrp="1"/>
+          </p:cNvSpPr>
+          <p:nvPr>
+            <p:ph type="title"/>
+          </p:nvPr>
+        </p:nvSpPr>
+        <p:spPr/>
+        <p:txBody>
+          <a:bodyPr/>
+          <a:lstStyle/>
+          <a:p>
+            <a:r>
+              <a:rPr lang="en-US" dirty="0"/>
+              <a:t>K nearest Neighbor</a:t>
+            </a:r>
+          </a:p>
+        </p:txBody>
+      </p:sp>
+      <p:sp>
+        <p:nvSpPr>
+          <p:cNvPr id="7" name="TextBox 6">
+            <a:extLst>
+              <a:ext uri="{FF2B5EF4-FFF2-40B4-BE49-F238E27FC236}">
+                <a16:creationId xmlns:a16="http://schemas.microsoft.com/office/drawing/2014/main" id="{226FEF13-58D2-1B70-0754-32CF52655827}"/>
+              </a:ext>
+            </a:extLst>
+          </p:cNvPr>
+          <p:cNvSpPr txBox="1"/>
+          <p:nvPr/>
+        </p:nvSpPr>
+        <p:spPr>
+          <a:xfrm>
+            <a:off x="935182" y="1849582"/>
+            <a:ext cx="10681854" cy="1754326"/>
+          </a:xfrm>
+          <a:prstGeom prst="rect">
+            <a:avLst/>
+          </a:prstGeom>
+          <a:noFill/>
+        </p:spPr>
+        <p:txBody>
+          <a:bodyPr wrap="square" rtlCol="0">
+            <a:spAutoFit/>
+          </a:bodyPr>
+          <a:lstStyle/>
+          <a:p>
+            <a:r>
+              <a:rPr lang="en-US" dirty="0"/>
+              <a:t>The next method we use is K nearest neighbor, First we build the model with k equals two to start with, we obtain a 0.94 accuracy score, then we find out the best k values by trial and error with k range from 1 to 25, with the best we found at 2. But to avoid overfitting we use 5-fold cross validation, and find out the mean score is only 0.78, so we put the model that was cross validated into </a:t>
+            </a:r>
+            <a:r>
+              <a:rPr lang="en-US" dirty="0" err="1"/>
+              <a:t>gridsearchCV</a:t>
+            </a:r>
+            <a:r>
+              <a:rPr lang="en-US" dirty="0"/>
+              <a:t> to do the Hyperparameter Tuning</a:t>
+            </a:r>
+          </a:p>
+          <a:p>
+            <a:r>
+              <a:rPr lang="en-US" dirty="0"/>
+              <a:t>And verify that the best k value for this dataset is 2 with 0.944 accuracy score. Out of 384 data, we only have 19 FP and 4 FN.</a:t>
+            </a:r>
+          </a:p>
+        </p:txBody>
+      </p:sp>
+    </p:spTree>
+    <p:extLst>
+      <p:ext uri="{BB962C8B-B14F-4D97-AF65-F5344CB8AC3E}">
+        <p14:creationId xmlns:p14="http://schemas.microsoft.com/office/powerpoint/2010/main" val="1336867461"/>
+      </p:ext>
+    </p:extLst>
+  </p:cSld>
+  <p:clrMapOvr>
+    <a:masterClrMapping/>
+  </p:clrMapOvr>
+</p:sld>
+</file>
+
+<file path=ppt/slides/slide12.xml><?xml version="1.0" encoding="utf-8"?>
+<p:sld xmlns:a="http://schemas.openxmlformats.org/drawingml/2006/main" xmlns:r="http://schemas.openxmlformats.org/officeDocument/2006/relationships" xmlns:p="http://schemas.openxmlformats.org/presentationml/2006/main">
+  <p:cSld>
+    <p:spTree>
+      <p:nvGrpSpPr>
+        <p:cNvPr id="1" name=""/>
+        <p:cNvGrpSpPr/>
+        <p:nvPr/>
+      </p:nvGrpSpPr>
+      <p:grpSpPr>
+        <a:xfrm>
+          <a:off x="0" y="0"/>
+          <a:ext cx="0" cy="0"/>
+          <a:chOff x="0" y="0"/>
+          <a:chExt cx="0" cy="0"/>
+        </a:xfrm>
+      </p:grpSpPr>
+      <p:sp>
+        <p:nvSpPr>
+          <p:cNvPr id="2" name="Title 1">
+            <a:extLst>
+              <a:ext uri="{FF2B5EF4-FFF2-40B4-BE49-F238E27FC236}">
+                <a16:creationId xmlns:a16="http://schemas.microsoft.com/office/drawing/2014/main" id="{F546DAD3-E668-AA1E-151C-F0CE41F53571}"/>
+              </a:ext>
+            </a:extLst>
+          </p:cNvPr>
+          <p:cNvSpPr>
+            <a:spLocks noGrp="1"/>
+          </p:cNvSpPr>
+          <p:nvPr>
+            <p:ph type="title"/>
+          </p:nvPr>
+        </p:nvSpPr>
+        <p:spPr/>
+        <p:txBody>
+          <a:bodyPr/>
+          <a:lstStyle/>
+          <a:p>
+            <a:endParaRPr lang="en-US" dirty="0"/>
+          </a:p>
+        </p:txBody>
+      </p:sp>
+      <p:pic>
+        <p:nvPicPr>
+          <p:cNvPr id="11" name="Picture 10" descr="Table&#10;&#10;Description automatically generated">
+            <a:extLst>
+              <a:ext uri="{FF2B5EF4-FFF2-40B4-BE49-F238E27FC236}">
+                <a16:creationId xmlns:a16="http://schemas.microsoft.com/office/drawing/2014/main" id="{69F6F680-7853-A107-E6AD-0DF1FDCD43F2}"/>
+              </a:ext>
+            </a:extLst>
+          </p:cNvPr>
+          <p:cNvPicPr>
+            <a:picLocks noChangeAspect="1"/>
+          </p:cNvPicPr>
+          <p:nvPr/>
+        </p:nvPicPr>
+        <p:blipFill>
+          <a:blip r:embed="rId2">
+            <a:extLst>
+              <a:ext uri="{28A0092B-C50C-407E-A947-70E740481C1C}">
+                <a14:useLocalDpi xmlns:a14="http://schemas.microsoft.com/office/drawing/2010/main" val="0"/>
+              </a:ext>
+            </a:extLst>
+          </a:blip>
+          <a:stretch>
+            <a:fillRect/>
+          </a:stretch>
+        </p:blipFill>
+        <p:spPr>
+          <a:xfrm>
+            <a:off x="838200" y="1487344"/>
+            <a:ext cx="5967268" cy="2677749"/>
+          </a:xfrm>
+          <a:prstGeom prst="rect">
+            <a:avLst/>
+          </a:prstGeom>
+        </p:spPr>
+      </p:pic>
+      <p:pic>
+        <p:nvPicPr>
+          <p:cNvPr id="13" name="Picture 12" descr="Table&#10;&#10;Description automatically generated">
+            <a:extLst>
+              <a:ext uri="{FF2B5EF4-FFF2-40B4-BE49-F238E27FC236}">
+                <a16:creationId xmlns:a16="http://schemas.microsoft.com/office/drawing/2014/main" id="{FA7256AB-D95F-A38B-8F75-F0C71197A8DC}"/>
+              </a:ext>
+            </a:extLst>
+          </p:cNvPr>
+          <p:cNvPicPr>
+            <a:picLocks noChangeAspect="1"/>
+          </p:cNvPicPr>
+          <p:nvPr/>
+        </p:nvPicPr>
+        <p:blipFill>
+          <a:blip r:embed="rId3">
+            <a:extLst>
+              <a:ext uri="{28A0092B-C50C-407E-A947-70E740481C1C}">
+                <a14:useLocalDpi xmlns:a14="http://schemas.microsoft.com/office/drawing/2010/main" val="0"/>
+              </a:ext>
+            </a:extLst>
+          </a:blip>
+          <a:stretch>
+            <a:fillRect/>
+          </a:stretch>
+        </p:blipFill>
+        <p:spPr>
+          <a:xfrm>
+            <a:off x="6805468" y="1309643"/>
+            <a:ext cx="5271655" cy="3033149"/>
+          </a:xfrm>
+          <a:prstGeom prst="rect">
+            <a:avLst/>
+          </a:prstGeom>
+        </p:spPr>
+      </p:pic>
+    </p:spTree>
+    <p:extLst>
+      <p:ext uri="{BB962C8B-B14F-4D97-AF65-F5344CB8AC3E}">
+        <p14:creationId xmlns:p14="http://schemas.microsoft.com/office/powerpoint/2010/main" val="1909660721"/>
+      </p:ext>
+    </p:extLst>
+  </p:cSld>
+  <p:clrMapOvr>
+    <a:masterClrMapping/>
+  </p:clrMapOvr>
+</p:sld>
+</file>
+
+<file path=ppt/slides/slide13.xml><?xml version="1.0" encoding="utf-8"?>
+<p:sld xmlns:a="http://schemas.openxmlformats.org/drawingml/2006/main" xmlns:r="http://schemas.openxmlformats.org/officeDocument/2006/relationships" xmlns:p="http://schemas.openxmlformats.org/presentationml/2006/main">
+  <p:cSld>
+    <p:spTree>
+      <p:nvGrpSpPr>
+        <p:cNvPr id="1" name=""/>
+        <p:cNvGrpSpPr/>
+        <p:nvPr/>
+      </p:nvGrpSpPr>
+      <p:grpSpPr>
+        <a:xfrm>
+          <a:off x="0" y="0"/>
+          <a:ext cx="0" cy="0"/>
+          <a:chOff x="0" y="0"/>
+          <a:chExt cx="0" cy="0"/>
+        </a:xfrm>
+      </p:grpSpPr>
+      <p:sp>
+        <p:nvSpPr>
+          <p:cNvPr id="2" name="Title 1">
+            <a:extLst>
+              <a:ext uri="{FF2B5EF4-FFF2-40B4-BE49-F238E27FC236}">
+                <a16:creationId xmlns:a16="http://schemas.microsoft.com/office/drawing/2014/main" id="{64ACC655-2C79-CADD-874B-D3661B2D84A7}"/>
+              </a:ext>
+            </a:extLst>
+          </p:cNvPr>
+          <p:cNvSpPr>
+            <a:spLocks noGrp="1"/>
+          </p:cNvSpPr>
+          <p:nvPr>
+            <p:ph type="title"/>
+          </p:nvPr>
+        </p:nvSpPr>
+        <p:spPr/>
+        <p:txBody>
+          <a:bodyPr/>
+          <a:lstStyle/>
+          <a:p>
+            <a:endParaRPr lang="en-US"/>
+          </a:p>
+        </p:txBody>
+      </p:sp>
+      <p:pic>
+        <p:nvPicPr>
+          <p:cNvPr id="4" name="Picture 3" descr="Chart, line chart&#10;&#10;Description automatically generated">
+            <a:extLst>
+              <a:ext uri="{FF2B5EF4-FFF2-40B4-BE49-F238E27FC236}">
+                <a16:creationId xmlns:a16="http://schemas.microsoft.com/office/drawing/2014/main" id="{BB2136FE-F2ED-BF53-DDF1-5AF12E8D6124}"/>
+              </a:ext>
+            </a:extLst>
+          </p:cNvPr>
+          <p:cNvPicPr>
+            <a:picLocks noChangeAspect="1"/>
+          </p:cNvPicPr>
+          <p:nvPr/>
+        </p:nvPicPr>
+        <p:blipFill>
+          <a:blip r:embed="rId2">
+            <a:extLst>
+              <a:ext uri="{28A0092B-C50C-407E-A947-70E740481C1C}">
+                <a14:useLocalDpi xmlns:a14="http://schemas.microsoft.com/office/drawing/2010/main" val="0"/>
+              </a:ext>
+            </a:extLst>
+          </a:blip>
+          <a:stretch>
+            <a:fillRect/>
+          </a:stretch>
+        </p:blipFill>
+        <p:spPr>
+          <a:xfrm>
+            <a:off x="1886331" y="917954"/>
+            <a:ext cx="7772400" cy="5940046"/>
+          </a:xfrm>
+          <a:prstGeom prst="rect">
+            <a:avLst/>
+          </a:prstGeom>
+        </p:spPr>
+      </p:pic>
+    </p:spTree>
+    <p:extLst>
+      <p:ext uri="{BB962C8B-B14F-4D97-AF65-F5344CB8AC3E}">
+        <p14:creationId xmlns:p14="http://schemas.microsoft.com/office/powerpoint/2010/main" val="2258083295"/>
+      </p:ext>
+    </p:extLst>
+  </p:cSld>
+  <p:clrMapOvr>
+    <a:masterClrMapping/>
+  </p:clrMapOvr>
+</p:sld>
+</file>
+
 <file path=ppt/slides/slide2.xml><?xml version="1.0" encoding="utf-8"?>
 <p:sld xmlns:a="http://schemas.openxmlformats.org/drawingml/2006/main" xmlns:r="http://schemas.openxmlformats.org/officeDocument/2006/relationships" xmlns:p="http://schemas.openxmlformats.org/presentationml/2006/main">
   <p:cSld>
@@ -5076,8 +5404,10 @@
               <a:rPr lang="en-US" dirty="0">
                 <a:cs typeface="Calibri"/>
               </a:rPr>
-              <a:t>For this data, the models we used are logistic regression, </a:t>
-            </a:r>
+              <a:t>For this data, the models we used are logistic regression, K nearest neighbor, and Decision Trees.</a:t>
+            </a:r>
+          </a:p>
+          <a:p>
             <a:endParaRPr lang="en-US" dirty="0"/>
           </a:p>
         </p:txBody>
